--- a/Slides/10-IO.pptx
+++ b/Slides/10-IO.pptx
@@ -249,7 +249,7 @@
             <a:fld id="{1D4FA4E4-5AFE-47B6-A902-8BEBFD94A682}" type="datetimeFigureOut">
               <a:rPr lang="en-US" smtClean="0"/>
               <a:pPr/>
-              <a:t>10/14/2021</a:t>
+              <a:t>10/18/2021</a:t>
             </a:fld>
             <a:endParaRPr lang="en-US"/>
           </a:p>
@@ -416,7 +416,7 @@
             <a:fld id="{177EE5A2-1CB4-4CE5-900A-9880C8D26138}" type="datetimeFigureOut">
               <a:rPr lang="en-US" smtClean="0"/>
               <a:pPr/>
-              <a:t>10/14/2021</a:t>
+              <a:t>10/18/2021</a:t>
             </a:fld>
             <a:endParaRPr lang="en-US"/>
           </a:p>
@@ -2712,7 +2712,7 @@
           <a:p>
             <a:fld id="{FBE90A16-7E0C-4D76-8151-9F997214FEF8}" type="datetime1">
               <a:rPr lang="en-US" smtClean="0"/>
-              <a:t>10/14/2021</a:t>
+              <a:t>10/18/2021</a:t>
             </a:fld>
             <a:endParaRPr lang="en-US"/>
           </a:p>
@@ -3066,7 +3066,7 @@
           <a:p>
             <a:fld id="{DFCB486D-11D5-443C-B208-4A0124193134}" type="datetime1">
               <a:rPr lang="en-US" smtClean="0"/>
-              <a:t>10/14/2021</a:t>
+              <a:t>10/18/2021</a:t>
             </a:fld>
             <a:endParaRPr lang="en-US"/>
           </a:p>
@@ -3242,7 +3242,7 @@
           <a:p>
             <a:fld id="{14849DF0-94AE-47AF-BC40-796FCBEF1B6E}" type="datetime1">
               <a:rPr lang="en-US" smtClean="0"/>
-              <a:t>10/14/2021</a:t>
+              <a:t>10/18/2021</a:t>
             </a:fld>
             <a:endParaRPr lang="en-US"/>
           </a:p>
@@ -3356,7 +3356,7 @@
           <a:p>
             <a:fld id="{923748E6-17CC-45FF-BB84-586C01DCC14E}" type="datetime1">
               <a:rPr lang="en-US" smtClean="0"/>
-              <a:t>10/14/2021</a:t>
+              <a:t>10/18/2021</a:t>
             </a:fld>
             <a:endParaRPr lang="en-US"/>
           </a:p>
@@ -3715,7 +3715,7 @@
           <a:p>
             <a:fld id="{EA6414CC-679B-42D6-AFF9-55AA2667982A}" type="datetime1">
               <a:rPr lang="en-US" smtClean="0"/>
-              <a:t>10/14/2021</a:t>
+              <a:t>10/18/2021</a:t>
             </a:fld>
             <a:endParaRPr lang="en-US"/>
           </a:p>
@@ -3981,7 +3981,7 @@
           <a:p>
             <a:fld id="{90F8CA65-0EFE-4293-BC8D-2576182584C1}" type="datetime1">
               <a:rPr lang="en-US" smtClean="0"/>
-              <a:t>10/14/2021</a:t>
+              <a:t>10/18/2021</a:t>
             </a:fld>
             <a:endParaRPr lang="en-US"/>
           </a:p>
@@ -4344,7 +4344,7 @@
           <a:p>
             <a:fld id="{CE7B6F75-B28D-4919-9A79-2FB2F3922547}" type="datetime1">
               <a:rPr lang="en-US" smtClean="0"/>
-              <a:t>10/14/2021</a:t>
+              <a:t>10/18/2021</a:t>
             </a:fld>
             <a:endParaRPr lang="en-US"/>
           </a:p>
@@ -4572,7 +4572,7 @@
           <a:p>
             <a:fld id="{83B43AF7-5D44-4B41-AF28-0F5C79681740}" type="datetime1">
               <a:rPr lang="en-US" smtClean="0"/>
-              <a:t>10/14/2021</a:t>
+              <a:t>10/18/2021</a:t>
             </a:fld>
             <a:endParaRPr lang="en-US"/>
           </a:p>
@@ -4663,7 +4663,7 @@
           <a:p>
             <a:fld id="{17055B96-1FA6-413A-B5BC-983D4678D226}" type="datetime1">
               <a:rPr lang="en-US" smtClean="0"/>
-              <a:t>10/14/2021</a:t>
+              <a:t>10/18/2021</a:t>
             </a:fld>
             <a:endParaRPr lang="en-US"/>
           </a:p>
@@ -4931,7 +4931,7 @@
           <a:p>
             <a:fld id="{99BEA71D-26AD-4740-B043-89EE18BFAA73}" type="datetime1">
               <a:rPr lang="en-US" smtClean="0"/>
-              <a:t>10/14/2021</a:t>
+              <a:t>10/18/2021</a:t>
             </a:fld>
             <a:endParaRPr lang="en-US"/>
           </a:p>
@@ -5160,7 +5160,7 @@
           <a:p>
             <a:fld id="{7E2D7D8D-465D-429D-8FFE-90C56BE09101}" type="datetime1">
               <a:rPr lang="en-US" smtClean="0"/>
-              <a:t>10/14/2021</a:t>
+              <a:t>10/18/2021</a:t>
             </a:fld>
             <a:endParaRPr lang="en-US"/>
           </a:p>
@@ -5660,7 +5660,7 @@
           <a:p>
             <a:fld id="{8E5DEB7A-46AD-46AE-8944-3025A50010D7}" type="datetime1">
               <a:rPr lang="en-US" smtClean="0"/>
-              <a:t>10/14/2021</a:t>
+              <a:t>10/18/2021</a:t>
             </a:fld>
             <a:endParaRPr lang="en-US"/>
           </a:p>
@@ -7448,7 +7448,7 @@
         <p:spPr>
           <a:xfrm>
             <a:off x="914400" y="1447800"/>
-            <a:ext cx="7772400" cy="4876800"/>
+            <a:ext cx="8077200" cy="4876800"/>
           </a:xfrm>
         </p:spPr>
         <p:txBody>
@@ -7474,28 +7474,42 @@
           <a:p>
             <a:pPr lvl="1"/>
             <a:r>
-              <a:rPr lang="en-US" altLang="zh-CN" b="1" dirty="0" err="1" smtClean="0">
-                <a:solidFill>
-                  <a:srgbClr val="C00000"/>
-                </a:solidFill>
-                <a:latin typeface="Courier New" pitchFamily="49" charset="0"/>
-                <a:cs typeface="Courier New" pitchFamily="49" charset="0"/>
+              <a:rPr lang="en-US" altLang="zh-CN" dirty="0" smtClean="0"/>
+              <a:t>A newline (</a:t>
+            </a:r>
+            <a:r>
+              <a:rPr lang="en-US" altLang="zh-CN" dirty="0" smtClean="0"/>
+              <a:t>e.g., </a:t>
+            </a:r>
+            <a:r>
+              <a:rPr lang="en-US" altLang="zh-CN" dirty="0" err="1" smtClean="0">
+                <a:latin typeface="Courier New" panose="02070309020205020404" pitchFamily="49" charset="0"/>
+                <a:cs typeface="Courier New" panose="02070309020205020404" pitchFamily="49" charset="0"/>
               </a:rPr>
               <a:t>endl</a:t>
             </a:r>
             <a:r>
-              <a:rPr lang="en-US" altLang="zh-CN" b="1" smtClean="0">
-                <a:solidFill>
-                  <a:srgbClr val="C00000"/>
-                </a:solidFill>
-                <a:latin typeface="Times New Roman" panose="02020603050405020304" pitchFamily="18" charset="0"/>
-                <a:cs typeface="Times New Roman" panose="02020603050405020304" pitchFamily="18" charset="0"/>
-              </a:rPr>
-              <a:t> </a:t>
-            </a:r>
-            <a:r>
-              <a:rPr lang="en-US" smtClean="0"/>
-              <a:t>is </a:t>
+              <a:rPr lang="en-US" altLang="zh-CN" dirty="0" smtClean="0"/>
+              <a:t> or ‘</a:t>
+            </a:r>
+            <a:r>
+              <a:rPr lang="en-US" altLang="zh-CN" dirty="0" smtClean="0">
+                <a:latin typeface="Courier New" panose="02070309020205020404" pitchFamily="49" charset="0"/>
+                <a:cs typeface="Courier New" panose="02070309020205020404" pitchFamily="49" charset="0"/>
+              </a:rPr>
+              <a:t>\n</a:t>
+            </a:r>
+            <a:r>
+              <a:rPr lang="en-US" altLang="zh-CN" dirty="0" smtClean="0"/>
+              <a:t>’</a:t>
+            </a:r>
+            <a:r>
+              <a:rPr lang="en-US" altLang="zh-CN" dirty="0" smtClean="0"/>
+              <a:t>) i</a:t>
+            </a:r>
+            <a:r>
+              <a:rPr lang="en-US" dirty="0" smtClean="0"/>
+              <a:t>s </a:t>
             </a:r>
             <a:r>
               <a:rPr lang="en-US" dirty="0"/>
@@ -7772,33 +7786,15 @@
                                   </p:childTnLst>
                                 </p:cTn>
                               </p:par>
-                            </p:childTnLst>
-                          </p:cTn>
-                        </p:par>
-                      </p:childTnLst>
-                    </p:cTn>
-                  </p:par>
-                  <p:par>
-                    <p:cTn id="7" fill="hold">
-                      <p:stCondLst>
-                        <p:cond delay="indefinite"/>
-                      </p:stCondLst>
-                      <p:childTnLst>
-                        <p:par>
-                          <p:cTn id="8" fill="hold">
-                            <p:stCondLst>
-                              <p:cond delay="0"/>
-                            </p:stCondLst>
-                            <p:childTnLst>
                               <p:par>
-                                <p:cTn id="9" presetID="1" presetClass="entr" presetSubtype="0" fill="hold" nodeType="clickEffect">
+                                <p:cTn id="7" presetID="1" presetClass="entr" presetSubtype="0" fill="hold" nodeType="withEffect">
                                   <p:stCondLst>
                                     <p:cond delay="0"/>
                                   </p:stCondLst>
                                   <p:childTnLst>
                                     <p:set>
                                       <p:cBhvr>
-                                        <p:cTn id="10" dur="1" fill="hold">
+                                        <p:cTn id="8" dur="1" fill="hold">
                                           <p:stCondLst>
                                             <p:cond delay="0"/>
                                           </p:stCondLst>
@@ -7828,26 +7824,26 @@
                     </p:cTn>
                   </p:par>
                   <p:par>
-                    <p:cTn id="11" fill="hold">
+                    <p:cTn id="9" fill="hold">
                       <p:stCondLst>
                         <p:cond delay="indefinite"/>
                       </p:stCondLst>
                       <p:childTnLst>
                         <p:par>
-                          <p:cTn id="12" fill="hold">
+                          <p:cTn id="10" fill="hold">
                             <p:stCondLst>
                               <p:cond delay="0"/>
                             </p:stCondLst>
                             <p:childTnLst>
                               <p:par>
-                                <p:cTn id="13" presetID="1" presetClass="entr" presetSubtype="0" fill="hold" nodeType="clickEffect">
+                                <p:cTn id="11" presetID="1" presetClass="entr" presetSubtype="0" fill="hold" nodeType="clickEffect">
                                   <p:stCondLst>
                                     <p:cond delay="0"/>
                                   </p:stCondLst>
                                   <p:childTnLst>
                                     <p:set>
                                       <p:cBhvr>
-                                        <p:cTn id="14" dur="1" fill="hold">
+                                        <p:cTn id="12" dur="1" fill="hold">
                                           <p:stCondLst>
                                             <p:cond delay="0"/>
                                           </p:stCondLst>
@@ -7877,26 +7873,26 @@
                     </p:cTn>
                   </p:par>
                   <p:par>
-                    <p:cTn id="15" fill="hold">
+                    <p:cTn id="13" fill="hold">
                       <p:stCondLst>
                         <p:cond delay="indefinite"/>
                       </p:stCondLst>
                       <p:childTnLst>
                         <p:par>
-                          <p:cTn id="16" fill="hold">
+                          <p:cTn id="14" fill="hold">
                             <p:stCondLst>
                               <p:cond delay="0"/>
                             </p:stCondLst>
                             <p:childTnLst>
                               <p:par>
-                                <p:cTn id="17" presetID="1" presetClass="entr" presetSubtype="0" fill="hold" nodeType="clickEffect">
+                                <p:cTn id="15" presetID="1" presetClass="entr" presetSubtype="0" fill="hold" nodeType="clickEffect">
                                   <p:stCondLst>
                                     <p:cond delay="0"/>
                                   </p:stCondLst>
                                   <p:childTnLst>
                                     <p:set>
                                       <p:cBhvr>
-                                        <p:cTn id="18" dur="1" fill="hold">
+                                        <p:cTn id="16" dur="1" fill="hold">
                                           <p:stCondLst>
                                             <p:cond delay="0"/>
                                           </p:stCondLst>
@@ -7926,26 +7922,26 @@
                     </p:cTn>
                   </p:par>
                   <p:par>
-                    <p:cTn id="19" fill="hold">
+                    <p:cTn id="17" fill="hold">
                       <p:stCondLst>
                         <p:cond delay="indefinite"/>
                       </p:stCondLst>
                       <p:childTnLst>
                         <p:par>
-                          <p:cTn id="20" fill="hold">
+                          <p:cTn id="18" fill="hold">
                             <p:stCondLst>
                               <p:cond delay="0"/>
                             </p:stCondLst>
                             <p:childTnLst>
                               <p:par>
-                                <p:cTn id="21" presetID="1" presetClass="entr" presetSubtype="0" fill="hold" nodeType="clickEffect">
+                                <p:cTn id="19" presetID="1" presetClass="entr" presetSubtype="0" fill="hold" nodeType="clickEffect">
                                   <p:stCondLst>
                                     <p:cond delay="0"/>
                                   </p:stCondLst>
                                   <p:childTnLst>
                                     <p:set>
                                       <p:cBhvr>
-                                        <p:cTn id="22" dur="1" fill="hold">
+                                        <p:cTn id="20" dur="1" fill="hold">
                                           <p:stCondLst>
                                             <p:cond delay="0"/>
                                           </p:stCondLst>
@@ -7975,26 +7971,26 @@
                     </p:cTn>
                   </p:par>
                   <p:par>
-                    <p:cTn id="23" fill="hold">
+                    <p:cTn id="21" fill="hold">
                       <p:stCondLst>
                         <p:cond delay="indefinite"/>
                       </p:stCondLst>
                       <p:childTnLst>
                         <p:par>
-                          <p:cTn id="24" fill="hold">
+                          <p:cTn id="22" fill="hold">
                             <p:stCondLst>
                               <p:cond delay="0"/>
                             </p:stCondLst>
                             <p:childTnLst>
                               <p:par>
-                                <p:cTn id="25" presetID="1" presetClass="entr" presetSubtype="0" fill="hold" nodeType="clickEffect">
+                                <p:cTn id="23" presetID="1" presetClass="entr" presetSubtype="0" fill="hold" nodeType="clickEffect">
                                   <p:stCondLst>
                                     <p:cond delay="0"/>
                                   </p:stCondLst>
                                   <p:childTnLst>
                                     <p:set>
                                       <p:cBhvr>
-                                        <p:cTn id="26" dur="1" fill="hold">
+                                        <p:cTn id="24" dur="1" fill="hold">
                                           <p:stCondLst>
                                             <p:cond delay="0"/>
                                           </p:stCondLst>
@@ -8024,26 +8020,26 @@
                     </p:cTn>
                   </p:par>
                   <p:par>
-                    <p:cTn id="27" fill="hold">
+                    <p:cTn id="25" fill="hold">
                       <p:stCondLst>
                         <p:cond delay="indefinite"/>
                       </p:stCondLst>
                       <p:childTnLst>
                         <p:par>
-                          <p:cTn id="28" fill="hold">
+                          <p:cTn id="26" fill="hold">
                             <p:stCondLst>
                               <p:cond delay="0"/>
                             </p:stCondLst>
                             <p:childTnLst>
                               <p:par>
-                                <p:cTn id="29" presetID="1" presetClass="entr" presetSubtype="0" fill="hold" nodeType="clickEffect">
+                                <p:cTn id="27" presetID="1" presetClass="entr" presetSubtype="0" fill="hold" nodeType="clickEffect">
                                   <p:stCondLst>
                                     <p:cond delay="0"/>
                                   </p:stCondLst>
                                   <p:childTnLst>
                                     <p:set>
                                       <p:cBhvr>
-                                        <p:cTn id="30" dur="1" fill="hold">
+                                        <p:cTn id="28" dur="1" fill="hold">
                                           <p:stCondLst>
                                             <p:cond delay="0"/>
                                           </p:stCondLst>
@@ -8073,26 +8069,26 @@
                     </p:cTn>
                   </p:par>
                   <p:par>
-                    <p:cTn id="31" fill="hold">
+                    <p:cTn id="29" fill="hold">
                       <p:stCondLst>
                         <p:cond delay="indefinite"/>
                       </p:stCondLst>
                       <p:childTnLst>
                         <p:par>
-                          <p:cTn id="32" fill="hold">
+                          <p:cTn id="30" fill="hold">
                             <p:stCondLst>
                               <p:cond delay="0"/>
                             </p:stCondLst>
                             <p:childTnLst>
                               <p:par>
-                                <p:cTn id="33" presetID="1" presetClass="entr" presetSubtype="0" fill="hold" nodeType="clickEffect">
+                                <p:cTn id="31" presetID="1" presetClass="entr" presetSubtype="0" fill="hold" nodeType="clickEffect">
                                   <p:stCondLst>
                                     <p:cond delay="0"/>
                                   </p:stCondLst>
                                   <p:childTnLst>
                                     <p:set>
                                       <p:cBhvr>
-                                        <p:cTn id="34" dur="1" fill="hold">
+                                        <p:cTn id="32" dur="1" fill="hold">
                                           <p:stCondLst>
                                             <p:cond delay="0"/>
                                           </p:stCondLst>
@@ -8122,26 +8118,26 @@
                     </p:cTn>
                   </p:par>
                   <p:par>
-                    <p:cTn id="35" fill="hold">
+                    <p:cTn id="33" fill="hold">
                       <p:stCondLst>
                         <p:cond delay="indefinite"/>
                       </p:stCondLst>
                       <p:childTnLst>
                         <p:par>
-                          <p:cTn id="36" fill="hold">
+                          <p:cTn id="34" fill="hold">
                             <p:stCondLst>
                               <p:cond delay="0"/>
                             </p:stCondLst>
                             <p:childTnLst>
                               <p:par>
-                                <p:cTn id="37" presetID="1" presetClass="entr" presetSubtype="0" fill="hold" nodeType="clickEffect">
+                                <p:cTn id="35" presetID="1" presetClass="entr" presetSubtype="0" fill="hold" nodeType="clickEffect">
                                   <p:stCondLst>
                                     <p:cond delay="0"/>
                                   </p:stCondLst>
                                   <p:childTnLst>
                                     <p:set>
                                       <p:cBhvr>
-                                        <p:cTn id="38" dur="1" fill="hold">
+                                        <p:cTn id="36" dur="1" fill="hold">
                                           <p:stCondLst>
                                             <p:cond delay="0"/>
                                           </p:stCondLst>
